--- a/Lessons/Lesson A-10 - Database Queries & SQL.pptx
+++ b/Lessons/Lesson A-10 - Database Queries & SQL.pptx
@@ -159,7 +159,7 @@
   <pc:docChgLst>
     <pc:chgData name="Michael Hill" userId="41dba03d-e58d-4389-9894-554c10310ba4" providerId="ADAL" clId="{EF23FE1D-A042-481E-AFD7-2A9FB0847F54}"/>
     <pc:docChg chg="undo custSel addSld delSld modSld sldOrd">
-      <pc:chgData name="Michael Hill" userId="41dba03d-e58d-4389-9894-554c10310ba4" providerId="ADAL" clId="{EF23FE1D-A042-481E-AFD7-2A9FB0847F54}" dt="2025-09-18T19:49:24.944" v="6404" actId="20577"/>
+      <pc:chgData name="Michael Hill" userId="41dba03d-e58d-4389-9894-554c10310ba4" providerId="ADAL" clId="{EF23FE1D-A042-481E-AFD7-2A9FB0847F54}" dt="2025-10-02T15:54:11.921" v="6411" actId="20577"/>
       <pc:docMkLst>
         <pc:docMk/>
       </pc:docMkLst>
@@ -253,38 +253,6 @@
             <ac:spMk id="8" creationId="{7DA75716-0EF0-37B3-ABC6-303B21F2CE50}"/>
           </ac:spMkLst>
         </pc:spChg>
-        <pc:grpChg chg="mod">
-          <ac:chgData name="Michael Hill" userId="41dba03d-e58d-4389-9894-554c10310ba4" providerId="ADAL" clId="{EF23FE1D-A042-481E-AFD7-2A9FB0847F54}" dt="2025-09-18T14:30:57.712" v="708"/>
-          <ac:grpSpMkLst>
-            <pc:docMk/>
-            <pc:sldMk cId="3541264760" sldId="298"/>
-            <ac:grpSpMk id="15" creationId="{787FDBB6-E9D1-047D-4A51-F6802A4CA6A3}"/>
-          </ac:grpSpMkLst>
-        </pc:grpChg>
-        <pc:grpChg chg="mod">
-          <ac:chgData name="Michael Hill" userId="41dba03d-e58d-4389-9894-554c10310ba4" providerId="ADAL" clId="{EF23FE1D-A042-481E-AFD7-2A9FB0847F54}" dt="2025-09-18T14:31:03.904" v="716"/>
-          <ac:grpSpMkLst>
-            <pc:docMk/>
-            <pc:sldMk cId="3541264760" sldId="298"/>
-            <ac:grpSpMk id="22" creationId="{6A4530BD-7AA3-0671-12D5-FC9E31DC4CE3}"/>
-          </ac:grpSpMkLst>
-        </pc:grpChg>
-        <pc:picChg chg="del">
-          <ac:chgData name="Michael Hill" userId="41dba03d-e58d-4389-9894-554c10310ba4" providerId="ADAL" clId="{EF23FE1D-A042-481E-AFD7-2A9FB0847F54}" dt="2025-09-18T14:34:09.499" v="936" actId="478"/>
-          <ac:picMkLst>
-            <pc:docMk/>
-            <pc:sldMk cId="3541264760" sldId="298"/>
-            <ac:picMk id="3" creationId="{1D24222F-0D0A-BC6D-F95B-B2C4BA4521C1}"/>
-          </ac:picMkLst>
-        </pc:picChg>
-        <pc:picChg chg="add mod">
-          <ac:chgData name="Michael Hill" userId="41dba03d-e58d-4389-9894-554c10310ba4" providerId="ADAL" clId="{EF23FE1D-A042-481E-AFD7-2A9FB0847F54}" dt="2025-09-18T14:34:45.053" v="937"/>
-          <ac:picMkLst>
-            <pc:docMk/>
-            <pc:sldMk cId="3541264760" sldId="298"/>
-            <ac:picMk id="26" creationId="{C0317921-CBEC-4AF9-09BC-5C35398B057C}"/>
-          </ac:picMkLst>
-        </pc:picChg>
         <pc:picChg chg="add mod">
           <ac:chgData name="Michael Hill" userId="41dba03d-e58d-4389-9894-554c10310ba4" providerId="ADAL" clId="{EF23FE1D-A042-481E-AFD7-2A9FB0847F54}" dt="2025-09-18T14:35:03.010" v="942" actId="1076"/>
           <ac:picMkLst>
@@ -299,54 +267,6 @@
             <pc:docMk/>
             <pc:sldMk cId="3541264760" sldId="298"/>
             <ac:inkMk id="11" creationId="{9BBC6A15-9A9A-ABA9-5B7D-680CF044496E}"/>
-          </ac:inkMkLst>
-        </pc:inkChg>
-        <pc:inkChg chg="add del mod">
-          <ac:chgData name="Michael Hill" userId="41dba03d-e58d-4389-9894-554c10310ba4" providerId="ADAL" clId="{EF23FE1D-A042-481E-AFD7-2A9FB0847F54}" dt="2025-09-18T14:30:57.712" v="708"/>
-          <ac:inkMkLst>
-            <pc:docMk/>
-            <pc:sldMk cId="3541264760" sldId="298"/>
-            <ac:inkMk id="14" creationId="{16823832-1380-EE2B-F85E-42E222413A4C}"/>
-          </ac:inkMkLst>
-        </pc:inkChg>
-        <pc:inkChg chg="add del mod">
-          <ac:chgData name="Michael Hill" userId="41dba03d-e58d-4389-9894-554c10310ba4" providerId="ADAL" clId="{EF23FE1D-A042-481E-AFD7-2A9FB0847F54}" dt="2025-09-18T14:31:05.728" v="720" actId="9405"/>
-          <ac:inkMkLst>
-            <pc:docMk/>
-            <pc:sldMk cId="3541264760" sldId="298"/>
-            <ac:inkMk id="17" creationId="{D02311CD-3BD8-B253-DD14-3BD242BA96AA}"/>
-          </ac:inkMkLst>
-        </pc:inkChg>
-        <pc:inkChg chg="add del mod">
-          <ac:chgData name="Michael Hill" userId="41dba03d-e58d-4389-9894-554c10310ba4" providerId="ADAL" clId="{EF23FE1D-A042-481E-AFD7-2A9FB0847F54}" dt="2025-09-18T14:31:05.340" v="719" actId="9405"/>
-          <ac:inkMkLst>
-            <pc:docMk/>
-            <pc:sldMk cId="3541264760" sldId="298"/>
-            <ac:inkMk id="18" creationId="{AD22A31B-43C8-BA5D-D3D9-2B8011D303BD}"/>
-          </ac:inkMkLst>
-        </pc:inkChg>
-        <pc:inkChg chg="add del mod">
-          <ac:chgData name="Michael Hill" userId="41dba03d-e58d-4389-9894-554c10310ba4" providerId="ADAL" clId="{EF23FE1D-A042-481E-AFD7-2A9FB0847F54}" dt="2025-09-18T14:31:04.617" v="718" actId="9405"/>
-          <ac:inkMkLst>
-            <pc:docMk/>
-            <pc:sldMk cId="3541264760" sldId="298"/>
-            <ac:inkMk id="19" creationId="{2EC3BEB1-9446-3284-9B9E-FD6828C74E80}"/>
-          </ac:inkMkLst>
-        </pc:inkChg>
-        <pc:inkChg chg="add del mod">
-          <ac:chgData name="Michael Hill" userId="41dba03d-e58d-4389-9894-554c10310ba4" providerId="ADAL" clId="{EF23FE1D-A042-481E-AFD7-2A9FB0847F54}" dt="2025-09-18T14:31:04.264" v="717" actId="9405"/>
-          <ac:inkMkLst>
-            <pc:docMk/>
-            <pc:sldMk cId="3541264760" sldId="298"/>
-            <ac:inkMk id="20" creationId="{506DCDE1-3500-AA05-403B-7BA1C10F4F78}"/>
-          </ac:inkMkLst>
-        </pc:inkChg>
-        <pc:inkChg chg="add del mod">
-          <ac:chgData name="Michael Hill" userId="41dba03d-e58d-4389-9894-554c10310ba4" providerId="ADAL" clId="{EF23FE1D-A042-481E-AFD7-2A9FB0847F54}" dt="2025-09-18T14:31:03.904" v="716"/>
-          <ac:inkMkLst>
-            <pc:docMk/>
-            <pc:sldMk cId="3541264760" sldId="298"/>
-            <ac:inkMk id="21" creationId="{DE09E371-EEFC-4496-52CA-BDCCF786AAD6}"/>
           </ac:inkMkLst>
         </pc:inkChg>
       </pc:sldChg>
@@ -480,14 +400,6 @@
             <ac:picMk id="3" creationId="{EAC8750D-5117-40E1-8E6B-C20358240BFD}"/>
           </ac:picMkLst>
         </pc:picChg>
-        <pc:picChg chg="del">
-          <ac:chgData name="Michael Hill" userId="41dba03d-e58d-4389-9894-554c10310ba4" providerId="ADAL" clId="{EF23FE1D-A042-481E-AFD7-2A9FB0847F54}" dt="2025-09-18T14:37:03.630" v="1387" actId="478"/>
-          <ac:picMkLst>
-            <pc:docMk/>
-            <pc:sldMk cId="1172018664" sldId="367"/>
-            <ac:picMk id="28" creationId="{F4407699-C98E-C36E-092B-2A65D2B86015}"/>
-          </ac:picMkLst>
-        </pc:picChg>
       </pc:sldChg>
       <pc:sldChg chg="addSp delSp modSp add mod">
         <pc:chgData name="Michael Hill" userId="41dba03d-e58d-4389-9894-554c10310ba4" providerId="ADAL" clId="{EF23FE1D-A042-481E-AFD7-2A9FB0847F54}" dt="2025-09-18T14:42:13.164" v="1690" actId="1076"/>
@@ -511,14 +423,6 @@
             <ac:spMk id="8" creationId="{02239E66-6B39-2244-1E23-F2CB323ADABD}"/>
           </ac:spMkLst>
         </pc:spChg>
-        <pc:picChg chg="del">
-          <ac:chgData name="Michael Hill" userId="41dba03d-e58d-4389-9894-554c10310ba4" providerId="ADAL" clId="{EF23FE1D-A042-481E-AFD7-2A9FB0847F54}" dt="2025-09-18T14:41:10.056" v="1683" actId="478"/>
-          <ac:picMkLst>
-            <pc:docMk/>
-            <pc:sldMk cId="1814276922" sldId="368"/>
-            <ac:picMk id="3" creationId="{3891D842-79F2-70EB-A66C-AE08E88EBFFD}"/>
-          </ac:picMkLst>
-        </pc:picChg>
         <pc:picChg chg="add mod">
           <ac:chgData name="Michael Hill" userId="41dba03d-e58d-4389-9894-554c10310ba4" providerId="ADAL" clId="{EF23FE1D-A042-481E-AFD7-2A9FB0847F54}" dt="2025-09-18T14:42:13.164" v="1690" actId="1076"/>
           <ac:picMkLst>
@@ -550,14 +454,6 @@
             <ac:spMk id="8" creationId="{06C73312-D669-961B-A488-6362163A09CF}"/>
           </ac:spMkLst>
         </pc:spChg>
-        <pc:picChg chg="del">
-          <ac:chgData name="Michael Hill" userId="41dba03d-e58d-4389-9894-554c10310ba4" providerId="ADAL" clId="{EF23FE1D-A042-481E-AFD7-2A9FB0847F54}" dt="2025-09-18T14:43:45.857" v="1928" actId="478"/>
-          <ac:picMkLst>
-            <pc:docMk/>
-            <pc:sldMk cId="3703052977" sldId="369"/>
-            <ac:picMk id="4" creationId="{C6082E41-2A87-686F-7534-C916DEABB2EC}"/>
-          </ac:picMkLst>
-        </pc:picChg>
       </pc:sldChg>
       <pc:sldChg chg="modSp add mod">
         <pc:chgData name="Michael Hill" userId="41dba03d-e58d-4389-9894-554c10310ba4" providerId="ADAL" clId="{EF23FE1D-A042-481E-AFD7-2A9FB0847F54}" dt="2025-09-18T14:50:57.794" v="2604" actId="403"/>
@@ -783,13 +679,13 @@
         </pc:sldMkLst>
       </pc:sldChg>
       <pc:sldChg chg="modSp add mod">
-        <pc:chgData name="Michael Hill" userId="41dba03d-e58d-4389-9894-554c10310ba4" providerId="ADAL" clId="{EF23FE1D-A042-481E-AFD7-2A9FB0847F54}" dt="2025-09-18T18:59:12.184" v="3564" actId="20577"/>
+        <pc:chgData name="Michael Hill" userId="41dba03d-e58d-4389-9894-554c10310ba4" providerId="ADAL" clId="{EF23FE1D-A042-481E-AFD7-2A9FB0847F54}" dt="2025-10-02T15:45:48.140" v="6409" actId="20577"/>
         <pc:sldMkLst>
           <pc:docMk/>
           <pc:sldMk cId="2593149719" sldId="378"/>
         </pc:sldMkLst>
         <pc:spChg chg="mod">
-          <ac:chgData name="Michael Hill" userId="41dba03d-e58d-4389-9894-554c10310ba4" providerId="ADAL" clId="{EF23FE1D-A042-481E-AFD7-2A9FB0847F54}" dt="2025-09-18T18:59:12.184" v="3564" actId="20577"/>
+          <ac:chgData name="Michael Hill" userId="41dba03d-e58d-4389-9894-554c10310ba4" providerId="ADAL" clId="{EF23FE1D-A042-481E-AFD7-2A9FB0847F54}" dt="2025-10-02T15:45:48.140" v="6409" actId="20577"/>
           <ac:spMkLst>
             <pc:docMk/>
             <pc:sldMk cId="2593149719" sldId="378"/>
@@ -922,13 +818,13 @@
         </pc:spChg>
       </pc:sldChg>
       <pc:sldChg chg="modSp add mod">
-        <pc:chgData name="Michael Hill" userId="41dba03d-e58d-4389-9894-554c10310ba4" providerId="ADAL" clId="{EF23FE1D-A042-481E-AFD7-2A9FB0847F54}" dt="2025-09-18T19:10:39.511" v="4651" actId="313"/>
+        <pc:chgData name="Michael Hill" userId="41dba03d-e58d-4389-9894-554c10310ba4" providerId="ADAL" clId="{EF23FE1D-A042-481E-AFD7-2A9FB0847F54}" dt="2025-10-02T15:54:11.921" v="6411" actId="20577"/>
         <pc:sldMkLst>
           <pc:docMk/>
           <pc:sldMk cId="52917141" sldId="383"/>
         </pc:sldMkLst>
         <pc:spChg chg="mod">
-          <ac:chgData name="Michael Hill" userId="41dba03d-e58d-4389-9894-554c10310ba4" providerId="ADAL" clId="{EF23FE1D-A042-481E-AFD7-2A9FB0847F54}" dt="2025-09-18T19:10:39.511" v="4651" actId="313"/>
+          <ac:chgData name="Michael Hill" userId="41dba03d-e58d-4389-9894-554c10310ba4" providerId="ADAL" clId="{EF23FE1D-A042-481E-AFD7-2A9FB0847F54}" dt="2025-10-02T15:54:11.921" v="6411" actId="20577"/>
           <ac:spMkLst>
             <pc:docMk/>
             <pc:sldMk cId="52917141" sldId="383"/>
@@ -958,14 +854,6 @@
           <pc:docMk/>
           <pc:sldMk cId="211948143" sldId="384"/>
         </pc:sldMkLst>
-        <pc:spChg chg="del mod">
-          <ac:chgData name="Michael Hill" userId="41dba03d-e58d-4389-9894-554c10310ba4" providerId="ADAL" clId="{EF23FE1D-A042-481E-AFD7-2A9FB0847F54}" dt="2025-09-18T19:09:59.636" v="4646" actId="478"/>
-          <ac:spMkLst>
-            <pc:docMk/>
-            <pc:sldMk cId="211948143" sldId="384"/>
-            <ac:spMk id="2" creationId="{702956FD-D30F-BD88-25B8-C4CCCA9BDB37}"/>
-          </ac:spMkLst>
-        </pc:spChg>
         <pc:spChg chg="mod">
           <ac:chgData name="Michael Hill" userId="41dba03d-e58d-4389-9894-554c10310ba4" providerId="ADAL" clId="{EF23FE1D-A042-481E-AFD7-2A9FB0847F54}" dt="2025-09-18T19:10:56.899" v="4671" actId="20577"/>
           <ac:spMkLst>
@@ -2108,7 +1996,7 @@
           <a:p>
             <a:fld id="{B10007EC-7779-4BAC-8F03-814B556CCD38}" type="datetimeFigureOut">
               <a:rPr lang="en-US" smtClean="0"/>
-              <a:t>9/17/2025</a:t>
+              <a:t>10/2/2025</a:t>
             </a:fld>
             <a:endParaRPr lang="en-US"/>
           </a:p>
@@ -2630,7 +2518,7 @@
           <a:p>
             <a:fld id="{52CFA067-BC5A-4095-A3A5-99A1BAFE9208}" type="datetimeFigureOut">
               <a:rPr lang="en-US" smtClean="0"/>
-              <a:t>9/17/2025</a:t>
+              <a:t>10/2/2025</a:t>
             </a:fld>
             <a:endParaRPr lang="en-US"/>
           </a:p>
@@ -2828,7 +2716,7 @@
           <a:p>
             <a:fld id="{52CFA067-BC5A-4095-A3A5-99A1BAFE9208}" type="datetimeFigureOut">
               <a:rPr lang="en-US" smtClean="0"/>
-              <a:t>9/17/2025</a:t>
+              <a:t>10/2/2025</a:t>
             </a:fld>
             <a:endParaRPr lang="en-US"/>
           </a:p>
@@ -3036,7 +2924,7 @@
           <a:p>
             <a:fld id="{52CFA067-BC5A-4095-A3A5-99A1BAFE9208}" type="datetimeFigureOut">
               <a:rPr lang="en-US" smtClean="0"/>
-              <a:t>9/17/2025</a:t>
+              <a:t>10/2/2025</a:t>
             </a:fld>
             <a:endParaRPr lang="en-US"/>
           </a:p>
@@ -3234,7 +3122,7 @@
           <a:p>
             <a:fld id="{52CFA067-BC5A-4095-A3A5-99A1BAFE9208}" type="datetimeFigureOut">
               <a:rPr lang="en-US" smtClean="0"/>
-              <a:t>9/17/2025</a:t>
+              <a:t>10/2/2025</a:t>
             </a:fld>
             <a:endParaRPr lang="en-US"/>
           </a:p>
@@ -3509,7 +3397,7 @@
           <a:p>
             <a:fld id="{52CFA067-BC5A-4095-A3A5-99A1BAFE9208}" type="datetimeFigureOut">
               <a:rPr lang="en-US" smtClean="0"/>
-              <a:t>9/17/2025</a:t>
+              <a:t>10/2/2025</a:t>
             </a:fld>
             <a:endParaRPr lang="en-US"/>
           </a:p>
@@ -3774,7 +3662,7 @@
           <a:p>
             <a:fld id="{52CFA067-BC5A-4095-A3A5-99A1BAFE9208}" type="datetimeFigureOut">
               <a:rPr lang="en-US" smtClean="0"/>
-              <a:t>9/17/2025</a:t>
+              <a:t>10/2/2025</a:t>
             </a:fld>
             <a:endParaRPr lang="en-US"/>
           </a:p>
@@ -4186,7 +4074,7 @@
           <a:p>
             <a:fld id="{52CFA067-BC5A-4095-A3A5-99A1BAFE9208}" type="datetimeFigureOut">
               <a:rPr lang="en-US" smtClean="0"/>
-              <a:t>9/17/2025</a:t>
+              <a:t>10/2/2025</a:t>
             </a:fld>
             <a:endParaRPr lang="en-US"/>
           </a:p>
@@ -4327,7 +4215,7 @@
           <a:p>
             <a:fld id="{52CFA067-BC5A-4095-A3A5-99A1BAFE9208}" type="datetimeFigureOut">
               <a:rPr lang="en-US" smtClean="0"/>
-              <a:t>9/17/2025</a:t>
+              <a:t>10/2/2025</a:t>
             </a:fld>
             <a:endParaRPr lang="en-US"/>
           </a:p>
@@ -4440,7 +4328,7 @@
           <a:p>
             <a:fld id="{52CFA067-BC5A-4095-A3A5-99A1BAFE9208}" type="datetimeFigureOut">
               <a:rPr lang="en-US" smtClean="0"/>
-              <a:t>9/17/2025</a:t>
+              <a:t>10/2/2025</a:t>
             </a:fld>
             <a:endParaRPr lang="en-US"/>
           </a:p>
@@ -4751,7 +4639,7 @@
           <a:p>
             <a:fld id="{52CFA067-BC5A-4095-A3A5-99A1BAFE9208}" type="datetimeFigureOut">
               <a:rPr lang="en-US" smtClean="0"/>
-              <a:t>9/17/2025</a:t>
+              <a:t>10/2/2025</a:t>
             </a:fld>
             <a:endParaRPr lang="en-US"/>
           </a:p>
@@ -5039,7 +4927,7 @@
           <a:p>
             <a:fld id="{52CFA067-BC5A-4095-A3A5-99A1BAFE9208}" type="datetimeFigureOut">
               <a:rPr lang="en-US" smtClean="0"/>
-              <a:t>9/17/2025</a:t>
+              <a:t>10/2/2025</a:t>
             </a:fld>
             <a:endParaRPr lang="en-US"/>
           </a:p>
@@ -5280,7 +5168,7 @@
           <a:p>
             <a:fld id="{52CFA067-BC5A-4095-A3A5-99A1BAFE9208}" type="datetimeFigureOut">
               <a:rPr lang="en-US" smtClean="0"/>
-              <a:t>9/17/2025</a:t>
+              <a:t>10/2/2025</a:t>
             </a:fld>
             <a:endParaRPr lang="en-US"/>
           </a:p>
@@ -6411,8 +6299,8 @@
           </a:p>
         </p:txBody>
       </p:sp>
-      <mc:AlternateContent xmlns:mc="http://schemas.openxmlformats.org/markup-compatibility/2006">
-        <mc:Choice xmlns:p14="http://schemas.microsoft.com/office/powerpoint/2010/main" Requires="p14">
+      <mc:AlternateContent xmlns:mc="http://schemas.openxmlformats.org/markup-compatibility/2006" xmlns:p14="http://schemas.microsoft.com/office/powerpoint/2010/main">
+        <mc:Choice Requires="p14">
           <p:contentPart p14:bwMode="auto" r:id="rId2">
             <p14:nvContentPartPr>
               <p14:cNvPr id="11" name="Ink 10">
@@ -6431,7 +6319,7 @@
             </p14:xfrm>
           </p:contentPart>
         </mc:Choice>
-        <mc:Fallback>
+        <mc:Fallback xmlns="">
           <p:pic>
             <p:nvPicPr>
               <p:cNvPr id="11" name="Ink 10">
@@ -7112,8 +7000,8 @@
           </a:p>
         </p:txBody>
       </p:sp>
-      <mc:AlternateContent xmlns:mc="http://schemas.openxmlformats.org/markup-compatibility/2006">
-        <mc:Choice xmlns:p14="http://schemas.microsoft.com/office/powerpoint/2010/main" Requires="p14">
+      <mc:AlternateContent xmlns:mc="http://schemas.openxmlformats.org/markup-compatibility/2006" xmlns:p14="http://schemas.microsoft.com/office/powerpoint/2010/main">
+        <mc:Choice Requires="p14">
           <p:contentPart p14:bwMode="auto" r:id="rId2">
             <p14:nvContentPartPr>
               <p14:cNvPr id="11" name="Ink 10">
@@ -7132,7 +7020,7 @@
             </p14:xfrm>
           </p:contentPart>
         </mc:Choice>
-        <mc:Fallback>
+        <mc:Fallback xmlns="">
           <p:pic>
             <p:nvPicPr>
               <p:cNvPr id="11" name="Ink 10">
@@ -7852,8 +7740,8 @@
           </a:p>
         </p:txBody>
       </p:sp>
-      <mc:AlternateContent xmlns:mc="http://schemas.openxmlformats.org/markup-compatibility/2006">
-        <mc:Choice xmlns:p14="http://schemas.microsoft.com/office/powerpoint/2010/main" Requires="p14">
+      <mc:AlternateContent xmlns:mc="http://schemas.openxmlformats.org/markup-compatibility/2006" xmlns:p14="http://schemas.microsoft.com/office/powerpoint/2010/main">
+        <mc:Choice Requires="p14">
           <p:contentPart p14:bwMode="auto" r:id="rId2">
             <p14:nvContentPartPr>
               <p14:cNvPr id="11" name="Ink 10">
@@ -7872,7 +7760,7 @@
             </p14:xfrm>
           </p:contentPart>
         </mc:Choice>
-        <mc:Fallback>
+        <mc:Fallback xmlns="">
           <p:pic>
             <p:nvPicPr>
               <p:cNvPr id="11" name="Ink 10">
@@ -8488,8 +8376,8 @@
           </a:p>
         </p:txBody>
       </p:sp>
-      <mc:AlternateContent xmlns:mc="http://schemas.openxmlformats.org/markup-compatibility/2006">
-        <mc:Choice xmlns:p14="http://schemas.microsoft.com/office/powerpoint/2010/main" Requires="p14">
+      <mc:AlternateContent xmlns:mc="http://schemas.openxmlformats.org/markup-compatibility/2006" xmlns:p14="http://schemas.microsoft.com/office/powerpoint/2010/main">
+        <mc:Choice Requires="p14">
           <p:contentPart p14:bwMode="auto" r:id="rId2">
             <p14:nvContentPartPr>
               <p14:cNvPr id="11" name="Ink 10">
@@ -8508,7 +8396,7 @@
             </p14:xfrm>
           </p:contentPart>
         </mc:Choice>
-        <mc:Fallback>
+        <mc:Fallback xmlns="">
           <p:pic>
             <p:nvPicPr>
               <p:cNvPr id="11" name="Ink 10">
@@ -9147,8 +9035,8 @@
           </a:p>
         </p:txBody>
       </p:sp>
-      <mc:AlternateContent xmlns:mc="http://schemas.openxmlformats.org/markup-compatibility/2006">
-        <mc:Choice xmlns:p14="http://schemas.microsoft.com/office/powerpoint/2010/main" Requires="p14">
+      <mc:AlternateContent xmlns:mc="http://schemas.openxmlformats.org/markup-compatibility/2006" xmlns:p14="http://schemas.microsoft.com/office/powerpoint/2010/main">
+        <mc:Choice Requires="p14">
           <p:contentPart p14:bwMode="auto" r:id="rId2">
             <p14:nvContentPartPr>
               <p14:cNvPr id="11" name="Ink 10">
@@ -9167,7 +9055,7 @@
             </p14:xfrm>
           </p:contentPart>
         </mc:Choice>
-        <mc:Fallback>
+        <mc:Fallback xmlns="">
           <p:pic>
             <p:nvPicPr>
               <p:cNvPr id="11" name="Ink 10">
@@ -9839,8 +9727,8 @@
           </a:p>
         </p:txBody>
       </p:sp>
-      <mc:AlternateContent xmlns:mc="http://schemas.openxmlformats.org/markup-compatibility/2006">
-        <mc:Choice xmlns:p14="http://schemas.microsoft.com/office/powerpoint/2010/main" Requires="p14">
+      <mc:AlternateContent xmlns:mc="http://schemas.openxmlformats.org/markup-compatibility/2006" xmlns:p14="http://schemas.microsoft.com/office/powerpoint/2010/main">
+        <mc:Choice Requires="p14">
           <p:contentPart p14:bwMode="auto" r:id="rId2">
             <p14:nvContentPartPr>
               <p14:cNvPr id="11" name="Ink 10">
@@ -9859,7 +9747,7 @@
             </p14:xfrm>
           </p:contentPart>
         </mc:Choice>
-        <mc:Fallback>
+        <mc:Fallback xmlns="">
           <p:pic>
             <p:nvPicPr>
               <p:cNvPr id="11" name="Ink 10">
@@ -10626,8 +10514,8 @@
           </a:p>
         </p:txBody>
       </p:sp>
-      <mc:AlternateContent xmlns:mc="http://schemas.openxmlformats.org/markup-compatibility/2006">
-        <mc:Choice xmlns:p14="http://schemas.microsoft.com/office/powerpoint/2010/main" Requires="p14">
+      <mc:AlternateContent xmlns:mc="http://schemas.openxmlformats.org/markup-compatibility/2006" xmlns:p14="http://schemas.microsoft.com/office/powerpoint/2010/main">
+        <mc:Choice Requires="p14">
           <p:contentPart p14:bwMode="auto" r:id="rId2">
             <p14:nvContentPartPr>
               <p14:cNvPr id="11" name="Ink 10">
@@ -10646,7 +10534,7 @@
             </p14:xfrm>
           </p:contentPart>
         </mc:Choice>
-        <mc:Fallback>
+        <mc:Fallback xmlns="">
           <p:pic>
             <p:nvPicPr>
               <p:cNvPr id="11" name="Ink 10">
@@ -11341,8 +11229,8 @@
           </a:p>
         </p:txBody>
       </p:sp>
-      <mc:AlternateContent xmlns:mc="http://schemas.openxmlformats.org/markup-compatibility/2006">
-        <mc:Choice xmlns:p14="http://schemas.microsoft.com/office/powerpoint/2010/main" Requires="p14">
+      <mc:AlternateContent xmlns:mc="http://schemas.openxmlformats.org/markup-compatibility/2006" xmlns:p14="http://schemas.microsoft.com/office/powerpoint/2010/main">
+        <mc:Choice Requires="p14">
           <p:contentPart p14:bwMode="auto" r:id="rId2">
             <p14:nvContentPartPr>
               <p14:cNvPr id="11" name="Ink 10">
@@ -11361,7 +11249,7 @@
             </p14:xfrm>
           </p:contentPart>
         </mc:Choice>
-        <mc:Fallback>
+        <mc:Fallback xmlns="">
           <p:pic>
             <p:nvPicPr>
               <p:cNvPr id="11" name="Ink 10">
@@ -12076,8 +11964,8 @@
           </a:p>
         </p:txBody>
       </p:sp>
-      <mc:AlternateContent xmlns:mc="http://schemas.openxmlformats.org/markup-compatibility/2006">
-        <mc:Choice xmlns:p14="http://schemas.microsoft.com/office/powerpoint/2010/main" Requires="p14">
+      <mc:AlternateContent xmlns:mc="http://schemas.openxmlformats.org/markup-compatibility/2006" xmlns:p14="http://schemas.microsoft.com/office/powerpoint/2010/main">
+        <mc:Choice Requires="p14">
           <p:contentPart p14:bwMode="auto" r:id="rId2">
             <p14:nvContentPartPr>
               <p14:cNvPr id="11" name="Ink 10">
@@ -12096,7 +11984,7 @@
             </p14:xfrm>
           </p:contentPart>
         </mc:Choice>
-        <mc:Fallback>
+        <mc:Fallback xmlns="">
           <p:pic>
             <p:nvPicPr>
               <p:cNvPr id="11" name="Ink 10">
@@ -12811,8 +12699,8 @@
           </a:p>
         </p:txBody>
       </p:sp>
-      <mc:AlternateContent xmlns:mc="http://schemas.openxmlformats.org/markup-compatibility/2006">
-        <mc:Choice xmlns:p14="http://schemas.microsoft.com/office/powerpoint/2010/main" Requires="p14">
+      <mc:AlternateContent xmlns:mc="http://schemas.openxmlformats.org/markup-compatibility/2006" xmlns:p14="http://schemas.microsoft.com/office/powerpoint/2010/main">
+        <mc:Choice Requires="p14">
           <p:contentPart p14:bwMode="auto" r:id="rId2">
             <p14:nvContentPartPr>
               <p14:cNvPr id="11" name="Ink 10">
@@ -12831,7 +12719,7 @@
             </p14:xfrm>
           </p:contentPart>
         </mc:Choice>
-        <mc:Fallback>
+        <mc:Fallback xmlns="">
           <p:pic>
             <p:nvPicPr>
               <p:cNvPr id="11" name="Ink 10">
@@ -14197,8 +14085,8 @@
           </a:p>
         </p:txBody>
       </p:sp>
-      <mc:AlternateContent xmlns:mc="http://schemas.openxmlformats.org/markup-compatibility/2006">
-        <mc:Choice xmlns:p14="http://schemas.microsoft.com/office/powerpoint/2010/main" Requires="p14">
+      <mc:AlternateContent xmlns:mc="http://schemas.openxmlformats.org/markup-compatibility/2006" xmlns:p14="http://schemas.microsoft.com/office/powerpoint/2010/main">
+        <mc:Choice Requires="p14">
           <p:contentPart p14:bwMode="auto" r:id="rId2">
             <p14:nvContentPartPr>
               <p14:cNvPr id="11" name="Ink 10">
@@ -14217,7 +14105,7 @@
             </p14:xfrm>
           </p:contentPart>
         </mc:Choice>
-        <mc:Fallback>
+        <mc:Fallback xmlns="">
           <p:pic>
             <p:nvPicPr>
               <p:cNvPr id="11" name="Ink 10">
@@ -14497,15 +14385,14 @@
               <a:t>    </a:t>
             </a:r>
             <a:r>
-              <a:rPr lang="en-US" sz="2800" b="0" dirty="0">
+              <a:rPr lang="en-US" sz="2800" dirty="0">
                 <a:solidFill>
                   <a:srgbClr val="0000FF"/>
                 </a:solidFill>
-                <a:effectLst/>
-                <a:latin typeface="Cascadia Code" panose="020B0609020000020004" pitchFamily="49" charset="0"/>
-                <a:cs typeface="Cascadia Code" panose="020B0609020000020004" pitchFamily="49" charset="0"/>
-              </a:rPr>
-              <a:t>AND</a:t>
+                <a:latin typeface="Cascadia Code" panose="020B0609020000020004" pitchFamily="49" charset="0"/>
+                <a:cs typeface="Cascadia Code" panose="020B0609020000020004" pitchFamily="49" charset="0"/>
+              </a:rPr>
+              <a:t>OR</a:t>
             </a:r>
             <a:r>
               <a:rPr lang="en-US" sz="2800" dirty="0">
@@ -14977,8 +14864,8 @@
           </a:p>
         </p:txBody>
       </p:sp>
-      <mc:AlternateContent xmlns:mc="http://schemas.openxmlformats.org/markup-compatibility/2006">
-        <mc:Choice xmlns:p14="http://schemas.microsoft.com/office/powerpoint/2010/main" Requires="p14">
+      <mc:AlternateContent xmlns:mc="http://schemas.openxmlformats.org/markup-compatibility/2006" xmlns:p14="http://schemas.microsoft.com/office/powerpoint/2010/main">
+        <mc:Choice Requires="p14">
           <p:contentPart p14:bwMode="auto" r:id="rId2">
             <p14:nvContentPartPr>
               <p14:cNvPr id="11" name="Ink 10">
@@ -14997,7 +14884,7 @@
             </p14:xfrm>
           </p:contentPart>
         </mc:Choice>
-        <mc:Fallback>
+        <mc:Fallback xmlns="">
           <p:pic>
             <p:nvPicPr>
               <p:cNvPr id="11" name="Ink 10">
@@ -15795,8 +15682,8 @@
           </a:p>
         </p:txBody>
       </p:sp>
-      <mc:AlternateContent xmlns:mc="http://schemas.openxmlformats.org/markup-compatibility/2006">
-        <mc:Choice xmlns:p14="http://schemas.microsoft.com/office/powerpoint/2010/main" Requires="p14">
+      <mc:AlternateContent xmlns:mc="http://schemas.openxmlformats.org/markup-compatibility/2006" xmlns:p14="http://schemas.microsoft.com/office/powerpoint/2010/main">
+        <mc:Choice Requires="p14">
           <p:contentPart p14:bwMode="auto" r:id="rId2">
             <p14:nvContentPartPr>
               <p14:cNvPr id="11" name="Ink 10">
@@ -15815,7 +15702,7 @@
             </p14:xfrm>
           </p:contentPart>
         </mc:Choice>
-        <mc:Fallback>
+        <mc:Fallback xmlns="">
           <p:pic>
             <p:nvPicPr>
               <p:cNvPr id="11" name="Ink 10">
@@ -16616,8 +16503,8 @@
           </a:p>
         </p:txBody>
       </p:sp>
-      <mc:AlternateContent xmlns:mc="http://schemas.openxmlformats.org/markup-compatibility/2006">
-        <mc:Choice xmlns:p14="http://schemas.microsoft.com/office/powerpoint/2010/main" Requires="p14">
+      <mc:AlternateContent xmlns:mc="http://schemas.openxmlformats.org/markup-compatibility/2006" xmlns:p14="http://schemas.microsoft.com/office/powerpoint/2010/main">
+        <mc:Choice Requires="p14">
           <p:contentPart p14:bwMode="auto" r:id="rId2">
             <p14:nvContentPartPr>
               <p14:cNvPr id="11" name="Ink 10">
@@ -16636,7 +16523,7 @@
             </p14:xfrm>
           </p:contentPart>
         </mc:Choice>
-        <mc:Fallback>
+        <mc:Fallback xmlns="">
           <p:pic>
             <p:nvPicPr>
               <p:cNvPr id="11" name="Ink 10">
@@ -17301,8 +17188,8 @@
           </a:p>
         </p:txBody>
       </p:sp>
-      <mc:AlternateContent xmlns:mc="http://schemas.openxmlformats.org/markup-compatibility/2006">
-        <mc:Choice xmlns:p14="http://schemas.microsoft.com/office/powerpoint/2010/main" Requires="p14">
+      <mc:AlternateContent xmlns:mc="http://schemas.openxmlformats.org/markup-compatibility/2006" xmlns:p14="http://schemas.microsoft.com/office/powerpoint/2010/main">
+        <mc:Choice Requires="p14">
           <p:contentPart p14:bwMode="auto" r:id="rId2">
             <p14:nvContentPartPr>
               <p14:cNvPr id="11" name="Ink 10">
@@ -17321,7 +17208,7 @@
             </p14:xfrm>
           </p:contentPart>
         </mc:Choice>
-        <mc:Fallback>
+        <mc:Fallback xmlns="">
           <p:pic>
             <p:nvPicPr>
               <p:cNvPr id="11" name="Ink 10">
@@ -18019,8 +17906,8 @@
           </a:p>
         </p:txBody>
       </p:sp>
-      <mc:AlternateContent xmlns:mc="http://schemas.openxmlformats.org/markup-compatibility/2006">
-        <mc:Choice xmlns:p14="http://schemas.microsoft.com/office/powerpoint/2010/main" Requires="p14">
+      <mc:AlternateContent xmlns:mc="http://schemas.openxmlformats.org/markup-compatibility/2006" xmlns:p14="http://schemas.microsoft.com/office/powerpoint/2010/main">
+        <mc:Choice Requires="p14">
           <p:contentPart p14:bwMode="auto" r:id="rId2">
             <p14:nvContentPartPr>
               <p14:cNvPr id="11" name="Ink 10">
@@ -18039,7 +17926,7 @@
             </p14:xfrm>
           </p:contentPart>
         </mc:Choice>
-        <mc:Fallback>
+        <mc:Fallback xmlns="">
           <p:pic>
             <p:nvPicPr>
               <p:cNvPr id="11" name="Ink 10">
@@ -18734,8 +18621,8 @@
           </a:p>
         </p:txBody>
       </p:sp>
-      <mc:AlternateContent xmlns:mc="http://schemas.openxmlformats.org/markup-compatibility/2006">
-        <mc:Choice xmlns:p14="http://schemas.microsoft.com/office/powerpoint/2010/main" Requires="p14">
+      <mc:AlternateContent xmlns:mc="http://schemas.openxmlformats.org/markup-compatibility/2006" xmlns:p14="http://schemas.microsoft.com/office/powerpoint/2010/main">
+        <mc:Choice Requires="p14">
           <p:contentPart p14:bwMode="auto" r:id="rId2">
             <p14:nvContentPartPr>
               <p14:cNvPr id="11" name="Ink 10">
@@ -18754,7 +18641,7 @@
             </p14:xfrm>
           </p:contentPart>
         </mc:Choice>
-        <mc:Fallback>
+        <mc:Fallback xmlns="">
           <p:pic>
             <p:nvPicPr>
               <p:cNvPr id="11" name="Ink 10">
@@ -18933,7 +18820,7 @@
               <a:t> </a:t>
             </a:r>
             <a:r>
-              <a:rPr lang="en-US" sz="2400" b="0" dirty="0">
+              <a:rPr lang="en-US" sz="2400" b="0">
                 <a:solidFill>
                   <a:srgbClr val="0000FF"/>
                 </a:solidFill>
@@ -18944,7 +18831,7 @@
               <a:t>&gt;</a:t>
             </a:r>
             <a:r>
-              <a:rPr lang="en-US" sz="2400" b="0" dirty="0">
+              <a:rPr lang="en-US" sz="2400" b="0">
                 <a:solidFill>
                   <a:srgbClr val="D4D4D4"/>
                 </a:solidFill>
@@ -18955,7 +18842,7 @@
               <a:t> </a:t>
             </a:r>
             <a:r>
-              <a:rPr lang="en-US" sz="2400" b="0" dirty="0">
+              <a:rPr lang="en-US" sz="2400" b="0">
                 <a:solidFill>
                   <a:srgbClr val="FF0000"/>
                 </a:solidFill>
@@ -18963,7 +18850,7 @@
                 <a:latin typeface="Cascadia Code" panose="020B0609020000020004" pitchFamily="49" charset="0"/>
                 <a:cs typeface="Cascadia Code" panose="020B0609020000020004" pitchFamily="49" charset="0"/>
               </a:rPr>
-              <a:t>'9/10/2025’;</a:t>
+              <a:t>9/10/2025;</a:t>
             </a:r>
             <a:endParaRPr lang="en-US" sz="2400" b="0" dirty="0">
               <a:solidFill>
@@ -19499,8 +19386,8 @@
           </a:p>
         </p:txBody>
       </p:sp>
-      <mc:AlternateContent xmlns:mc="http://schemas.openxmlformats.org/markup-compatibility/2006">
-        <mc:Choice xmlns:p14="http://schemas.microsoft.com/office/powerpoint/2010/main" Requires="p14">
+      <mc:AlternateContent xmlns:mc="http://schemas.openxmlformats.org/markup-compatibility/2006" xmlns:p14="http://schemas.microsoft.com/office/powerpoint/2010/main">
+        <mc:Choice Requires="p14">
           <p:contentPart p14:bwMode="auto" r:id="rId2">
             <p14:nvContentPartPr>
               <p14:cNvPr id="11" name="Ink 10">
@@ -19519,7 +19406,7 @@
             </p14:xfrm>
           </p:contentPart>
         </mc:Choice>
-        <mc:Fallback>
+        <mc:Fallback xmlns="">
           <p:pic>
             <p:nvPicPr>
               <p:cNvPr id="11" name="Ink 10">
@@ -19923,8 +19810,8 @@
           </a:p>
         </p:txBody>
       </p:sp>
-      <mc:AlternateContent xmlns:mc="http://schemas.openxmlformats.org/markup-compatibility/2006">
-        <mc:Choice xmlns:p14="http://schemas.microsoft.com/office/powerpoint/2010/main" Requires="p14">
+      <mc:AlternateContent xmlns:mc="http://schemas.openxmlformats.org/markup-compatibility/2006" xmlns:p14="http://schemas.microsoft.com/office/powerpoint/2010/main">
+        <mc:Choice Requires="p14">
           <p:contentPart p14:bwMode="auto" r:id="rId2">
             <p14:nvContentPartPr>
               <p14:cNvPr id="11" name="Ink 10">
@@ -19943,7 +19830,7 @@
             </p14:xfrm>
           </p:contentPart>
         </mc:Choice>
-        <mc:Fallback>
+        <mc:Fallback xmlns="">
           <p:pic>
             <p:nvPicPr>
               <p:cNvPr id="11" name="Ink 10">
@@ -20625,8 +20512,8 @@
           </a:p>
         </p:txBody>
       </p:sp>
-      <mc:AlternateContent xmlns:mc="http://schemas.openxmlformats.org/markup-compatibility/2006">
-        <mc:Choice xmlns:p14="http://schemas.microsoft.com/office/powerpoint/2010/main" Requires="p14">
+      <mc:AlternateContent xmlns:mc="http://schemas.openxmlformats.org/markup-compatibility/2006" xmlns:p14="http://schemas.microsoft.com/office/powerpoint/2010/main">
+        <mc:Choice Requires="p14">
           <p:contentPart p14:bwMode="auto" r:id="rId2">
             <p14:nvContentPartPr>
               <p14:cNvPr id="11" name="Ink 10">
@@ -20645,7 +20532,7 @@
             </p14:xfrm>
           </p:contentPart>
         </mc:Choice>
-        <mc:Fallback>
+        <mc:Fallback xmlns="">
           <p:pic>
             <p:nvPicPr>
               <p:cNvPr id="11" name="Ink 10">
@@ -22494,8 +22381,8 @@
           </a:p>
         </p:txBody>
       </p:sp>
-      <mc:AlternateContent xmlns:mc="http://schemas.openxmlformats.org/markup-compatibility/2006">
-        <mc:Choice xmlns:p14="http://schemas.microsoft.com/office/powerpoint/2010/main" Requires="p14">
+      <mc:AlternateContent xmlns:mc="http://schemas.openxmlformats.org/markup-compatibility/2006" xmlns:p14="http://schemas.microsoft.com/office/powerpoint/2010/main">
+        <mc:Choice Requires="p14">
           <p:contentPart p14:bwMode="auto" r:id="rId2">
             <p14:nvContentPartPr>
               <p14:cNvPr id="11" name="Ink 10">
@@ -22514,7 +22401,7 @@
             </p14:xfrm>
           </p:contentPart>
         </mc:Choice>
-        <mc:Fallback>
+        <mc:Fallback xmlns="">
           <p:pic>
             <p:nvPicPr>
               <p:cNvPr id="11" name="Ink 10">
@@ -23559,8 +23446,8 @@
           </a:p>
         </p:txBody>
       </p:sp>
-      <mc:AlternateContent xmlns:mc="http://schemas.openxmlformats.org/markup-compatibility/2006">
-        <mc:Choice xmlns:p14="http://schemas.microsoft.com/office/powerpoint/2010/main" Requires="p14">
+      <mc:AlternateContent xmlns:mc="http://schemas.openxmlformats.org/markup-compatibility/2006" xmlns:p14="http://schemas.microsoft.com/office/powerpoint/2010/main">
+        <mc:Choice Requires="p14">
           <p:contentPart p14:bwMode="auto" r:id="rId2">
             <p14:nvContentPartPr>
               <p14:cNvPr id="11" name="Ink 10">
@@ -23579,7 +23466,7 @@
             </p14:xfrm>
           </p:contentPart>
         </mc:Choice>
-        <mc:Fallback>
+        <mc:Fallback xmlns="">
           <p:pic>
             <p:nvPicPr>
               <p:cNvPr id="11" name="Ink 10">
@@ -25793,8 +25680,8 @@
           </a:p>
         </p:txBody>
       </p:sp>
-      <mc:AlternateContent xmlns:mc="http://schemas.openxmlformats.org/markup-compatibility/2006">
-        <mc:Choice xmlns:p14="http://schemas.microsoft.com/office/powerpoint/2010/main" Requires="p14">
+      <mc:AlternateContent xmlns:mc="http://schemas.openxmlformats.org/markup-compatibility/2006" xmlns:p14="http://schemas.microsoft.com/office/powerpoint/2010/main">
+        <mc:Choice Requires="p14">
           <p:contentPart p14:bwMode="auto" r:id="rId2">
             <p14:nvContentPartPr>
               <p14:cNvPr id="11" name="Ink 10">
@@ -25813,7 +25700,7 @@
             </p14:xfrm>
           </p:contentPart>
         </mc:Choice>
-        <mc:Fallback>
+        <mc:Fallback xmlns="">
           <p:pic>
             <p:nvPicPr>
               <p:cNvPr id="11" name="Ink 10">
@@ -26271,8 +26158,8 @@
           </a:p>
         </p:txBody>
       </p:sp>
-      <mc:AlternateContent xmlns:mc="http://schemas.openxmlformats.org/markup-compatibility/2006">
-        <mc:Choice xmlns:p14="http://schemas.microsoft.com/office/powerpoint/2010/main" Requires="p14">
+      <mc:AlternateContent xmlns:mc="http://schemas.openxmlformats.org/markup-compatibility/2006" xmlns:p14="http://schemas.microsoft.com/office/powerpoint/2010/main">
+        <mc:Choice Requires="p14">
           <p:contentPart p14:bwMode="auto" r:id="rId2">
             <p14:nvContentPartPr>
               <p14:cNvPr id="11" name="Ink 10">
@@ -26291,7 +26178,7 @@
             </p14:xfrm>
           </p:contentPart>
         </mc:Choice>
-        <mc:Fallback>
+        <mc:Fallback xmlns="">
           <p:pic>
             <p:nvPicPr>
               <p:cNvPr id="11" name="Ink 10">
@@ -26839,8 +26726,8 @@
           </a:p>
         </p:txBody>
       </p:sp>
-      <mc:AlternateContent xmlns:mc="http://schemas.openxmlformats.org/markup-compatibility/2006">
-        <mc:Choice xmlns:p14="http://schemas.microsoft.com/office/powerpoint/2010/main" Requires="p14">
+      <mc:AlternateContent xmlns:mc="http://schemas.openxmlformats.org/markup-compatibility/2006" xmlns:p14="http://schemas.microsoft.com/office/powerpoint/2010/main">
+        <mc:Choice Requires="p14">
           <p:contentPart p14:bwMode="auto" r:id="rId2">
             <p14:nvContentPartPr>
               <p14:cNvPr id="11" name="Ink 10">
@@ -26859,7 +26746,7 @@
             </p14:xfrm>
           </p:contentPart>
         </mc:Choice>
-        <mc:Fallback>
+        <mc:Fallback xmlns="">
           <p:pic>
             <p:nvPicPr>
               <p:cNvPr id="11" name="Ink 10">
@@ -27374,8 +27261,8 @@
           </a:p>
         </p:txBody>
       </p:sp>
-      <mc:AlternateContent xmlns:mc="http://schemas.openxmlformats.org/markup-compatibility/2006">
-        <mc:Choice xmlns:p14="http://schemas.microsoft.com/office/powerpoint/2010/main" Requires="p14">
+      <mc:AlternateContent xmlns:mc="http://schemas.openxmlformats.org/markup-compatibility/2006" xmlns:p14="http://schemas.microsoft.com/office/powerpoint/2010/main">
+        <mc:Choice Requires="p14">
           <p:contentPart p14:bwMode="auto" r:id="rId2">
             <p14:nvContentPartPr>
               <p14:cNvPr id="11" name="Ink 10">
@@ -27394,7 +27281,7 @@
             </p14:xfrm>
           </p:contentPart>
         </mc:Choice>
-        <mc:Fallback>
+        <mc:Fallback xmlns="">
           <p:pic>
             <p:nvPicPr>
               <p:cNvPr id="11" name="Ink 10">
@@ -27870,8 +27757,8 @@
           </a:p>
         </p:txBody>
       </p:sp>
-      <mc:AlternateContent xmlns:mc="http://schemas.openxmlformats.org/markup-compatibility/2006">
-        <mc:Choice xmlns:p14="http://schemas.microsoft.com/office/powerpoint/2010/main" Requires="p14">
+      <mc:AlternateContent xmlns:mc="http://schemas.openxmlformats.org/markup-compatibility/2006" xmlns:p14="http://schemas.microsoft.com/office/powerpoint/2010/main">
+        <mc:Choice Requires="p14">
           <p:contentPart p14:bwMode="auto" r:id="rId2">
             <p14:nvContentPartPr>
               <p14:cNvPr id="11" name="Ink 10">
@@ -27890,7 +27777,7 @@
             </p14:xfrm>
           </p:contentPart>
         </mc:Choice>
-        <mc:Fallback>
+        <mc:Fallback xmlns="">
           <p:pic>
             <p:nvPicPr>
               <p:cNvPr id="11" name="Ink 10">
